--- a/course_material/slides/005_file_access.pptx
+++ b/course_material/slides/005_file_access.pptx
@@ -5,14 +5,16 @@
     <p:sldMasterId id="2147483660" r:id="rId1"/>
   </p:sldMasterIdLst>
   <p:sldIdLst>
-    <p:sldId id="256" r:id="rId2"/>
-    <p:sldId id="257" r:id="rId3"/>
-    <p:sldId id="258" r:id="rId4"/>
-    <p:sldId id="260" r:id="rId5"/>
-    <p:sldId id="261" r:id="rId6"/>
-    <p:sldId id="264" r:id="rId7"/>
-    <p:sldId id="265" r:id="rId8"/>
-    <p:sldId id="266" r:id="rId9"/>
+    <p:sldId id="267" r:id="rId2"/>
+    <p:sldId id="268" r:id="rId3"/>
+    <p:sldId id="256" r:id="rId4"/>
+    <p:sldId id="257" r:id="rId5"/>
+    <p:sldId id="258" r:id="rId6"/>
+    <p:sldId id="260" r:id="rId7"/>
+    <p:sldId id="261" r:id="rId8"/>
+    <p:sldId id="264" r:id="rId9"/>
+    <p:sldId id="265" r:id="rId10"/>
+    <p:sldId id="266" r:id="rId11"/>
   </p:sldIdLst>
   <p:sldSz cx="12192000" cy="6858000"/>
   <p:notesSz cx="6858000" cy="9144000"/>
@@ -3637,7 +3639,7 @@
           <p:cNvPr id="2" name="Title 1">
             <a:extLst>
               <a:ext uri="{FF2B5EF4-FFF2-40B4-BE49-F238E27FC236}">
-                <a16:creationId xmlns:a16="http://schemas.microsoft.com/office/drawing/2014/main" id="{074E6DBF-FB88-208D-1078-813B44C1F972}"/>
+                <a16:creationId xmlns:a16="http://schemas.microsoft.com/office/drawing/2014/main" id="{65442206-4CB9-3456-88F0-2F2B5969A80F}"/>
               </a:ext>
             </a:extLst>
           </p:cNvPr>
@@ -3645,7 +3647,7 @@
             <a:spLocks noGrp="1"/>
           </p:cNvSpPr>
           <p:nvPr>
-            <p:ph type="ctrTitle"/>
+            <p:ph type="title"/>
           </p:nvPr>
         </p:nvSpPr>
         <p:spPr/>
@@ -3655,22 +3657,17 @@
           <a:p>
             <a:r>
               <a:rPr lang="en-US" dirty="0"/>
-              <a:t>Files and </a:t>
-            </a:r>
-            <a:r>
-              <a:rPr lang="en-US" dirty="0" err="1"/>
-              <a:t>Dataframes</a:t>
-            </a:r>
-            <a:endParaRPr lang="en-US" dirty="0"/>
-          </a:p>
-        </p:txBody>
-      </p:sp>
-      <p:sp>
-        <p:nvSpPr>
-          <p:cNvPr id="3" name="Subtitle 2">
+              <a:t>Housekeeping</a:t>
+            </a:r>
+          </a:p>
+        </p:txBody>
+      </p:sp>
+      <p:sp>
+        <p:nvSpPr>
+          <p:cNvPr id="3" name="Content Placeholder 2">
             <a:extLst>
               <a:ext uri="{FF2B5EF4-FFF2-40B4-BE49-F238E27FC236}">
-                <a16:creationId xmlns:a16="http://schemas.microsoft.com/office/drawing/2014/main" id="{C5833ABB-32E6-D242-C0C4-47A72242A104}"/>
+                <a16:creationId xmlns:a16="http://schemas.microsoft.com/office/drawing/2014/main" id="{958A1285-3BE3-500D-40F9-FCC619C8DC68}"/>
               </a:ext>
             </a:extLst>
           </p:cNvPr>
@@ -3678,7 +3675,7 @@
             <a:spLocks noGrp="1"/>
           </p:cNvSpPr>
           <p:nvPr>
-            <p:ph type="subTitle" idx="1"/>
+            <p:ph idx="1"/>
           </p:nvPr>
         </p:nvSpPr>
         <p:spPr/>
@@ -3686,14 +3683,168 @@
           <a:bodyPr/>
           <a:lstStyle/>
           <a:p>
-            <a:endParaRPr lang="en-US"/>
+            <a:r>
+              <a:rPr lang="en-US" dirty="0"/>
+              <a:t>Today: </a:t>
+            </a:r>
+          </a:p>
+          <a:p>
+            <a:pPr lvl="1"/>
+            <a:r>
+              <a:rPr lang="en-US" dirty="0"/>
+              <a:t>File access and </a:t>
+            </a:r>
+            <a:r>
+              <a:rPr lang="en-US" dirty="0" err="1"/>
+              <a:t>dataframes</a:t>
+            </a:r>
+            <a:r>
+              <a:rPr lang="en-US" dirty="0"/>
+              <a:t>. </a:t>
+            </a:r>
+          </a:p>
+          <a:p>
+            <a:pPr lvl="1"/>
+            <a:r>
+              <a:rPr lang="en-US" dirty="0"/>
+              <a:t>Objects and classes, part 1. </a:t>
+            </a:r>
+          </a:p>
+          <a:p>
+            <a:pPr lvl="1"/>
+            <a:r>
+              <a:rPr lang="en-US" dirty="0"/>
+              <a:t>Work/question time. </a:t>
+            </a:r>
           </a:p>
         </p:txBody>
       </p:sp>
     </p:spTree>
     <p:extLst>
       <p:ext uri="{BB962C8B-B14F-4D97-AF65-F5344CB8AC3E}">
-        <p14:creationId xmlns:p14="http://schemas.microsoft.com/office/powerpoint/2010/main" val="662495774"/>
+        <p14:creationId xmlns:p14="http://schemas.microsoft.com/office/powerpoint/2010/main" val="1811235379"/>
+      </p:ext>
+    </p:extLst>
+  </p:cSld>
+  <p:clrMapOvr>
+    <a:masterClrMapping/>
+  </p:clrMapOvr>
+</p:sld>
+</file>
+
+<file path=ppt/slides/slide10.xml><?xml version="1.0" encoding="utf-8"?>
+<p:sld xmlns:a="http://schemas.openxmlformats.org/drawingml/2006/main" xmlns:r="http://schemas.openxmlformats.org/officeDocument/2006/relationships" xmlns:p="http://schemas.openxmlformats.org/presentationml/2006/main">
+  <p:cSld>
+    <p:spTree>
+      <p:nvGrpSpPr>
+        <p:cNvPr id="1" name=""/>
+        <p:cNvGrpSpPr/>
+        <p:nvPr/>
+      </p:nvGrpSpPr>
+      <p:grpSpPr>
+        <a:xfrm>
+          <a:off x="0" y="0"/>
+          <a:ext cx="0" cy="0"/>
+          <a:chOff x="0" y="0"/>
+          <a:chExt cx="0" cy="0"/>
+        </a:xfrm>
+      </p:grpSpPr>
+      <p:sp>
+        <p:nvSpPr>
+          <p:cNvPr id="2" name="Title 1">
+            <a:extLst>
+              <a:ext uri="{FF2B5EF4-FFF2-40B4-BE49-F238E27FC236}">
+                <a16:creationId xmlns:a16="http://schemas.microsoft.com/office/drawing/2014/main" id="{9F7353FF-ABB8-329B-4F91-425557C29FF4}"/>
+              </a:ext>
+            </a:extLst>
+          </p:cNvPr>
+          <p:cNvSpPr>
+            <a:spLocks noGrp="1"/>
+          </p:cNvSpPr>
+          <p:nvPr>
+            <p:ph type="title"/>
+          </p:nvPr>
+        </p:nvSpPr>
+        <p:spPr/>
+        <p:txBody>
+          <a:bodyPr/>
+          <a:lstStyle/>
+          <a:p>
+            <a:r>
+              <a:rPr lang="en-US" dirty="0"/>
+              <a:t>Manipulating </a:t>
+            </a:r>
+            <a:r>
+              <a:rPr lang="en-US" dirty="0" err="1"/>
+              <a:t>Dataframes</a:t>
+            </a:r>
+            <a:endParaRPr lang="en-US" dirty="0"/>
+          </a:p>
+        </p:txBody>
+      </p:sp>
+      <p:sp>
+        <p:nvSpPr>
+          <p:cNvPr id="3" name="Content Placeholder 2">
+            <a:extLst>
+              <a:ext uri="{FF2B5EF4-FFF2-40B4-BE49-F238E27FC236}">
+                <a16:creationId xmlns:a16="http://schemas.microsoft.com/office/drawing/2014/main" id="{B8EECA3A-8064-D6E2-2964-F943873B6385}"/>
+              </a:ext>
+            </a:extLst>
+          </p:cNvPr>
+          <p:cNvSpPr>
+            <a:spLocks noGrp="1"/>
+          </p:cNvSpPr>
+          <p:nvPr>
+            <p:ph idx="1"/>
+          </p:nvPr>
+        </p:nvSpPr>
+        <p:spPr>
+          <a:xfrm>
+            <a:off x="1103243" y="2015732"/>
+            <a:ext cx="9951611" cy="3450613"/>
+          </a:xfrm>
+        </p:spPr>
+        <p:txBody>
+          <a:bodyPr/>
+          <a:lstStyle/>
+          <a:p>
+            <a:r>
+              <a:rPr lang="en-US" dirty="0"/>
+              <a:t>We’ll look at this in code, it is much easier. </a:t>
+            </a:r>
+          </a:p>
+          <a:p>
+            <a:r>
+              <a:rPr lang="en-US" dirty="0"/>
+              <a:t>We can select which columns or rows we want by specifying some selection criteria. </a:t>
+            </a:r>
+          </a:p>
+          <a:p>
+            <a:r>
+              <a:rPr lang="en-US" dirty="0"/>
+              <a:t>We can get some information about the </a:t>
+            </a:r>
+            <a:r>
+              <a:rPr lang="en-US" dirty="0" err="1"/>
+              <a:t>dataframe</a:t>
+            </a:r>
+            <a:r>
+              <a:rPr lang="en-US" dirty="0"/>
+              <a:t> using its methods – describe, info, shape.</a:t>
+            </a:r>
+          </a:p>
+          <a:p>
+            <a:r>
+              <a:rPr lang="en-US" dirty="0"/>
+              <a:t>We can do calculations (grouping and aggregation) using functions to group the data and calculate results, like a nerdier Excel filter. </a:t>
+            </a:r>
+          </a:p>
+        </p:txBody>
+      </p:sp>
+    </p:spTree>
+    <p:extLst>
+      <p:ext uri="{BB962C8B-B14F-4D97-AF65-F5344CB8AC3E}">
+        <p14:creationId xmlns:p14="http://schemas.microsoft.com/office/powerpoint/2010/main" val="3077685445"/>
       </p:ext>
     </p:extLst>
   </p:cSld>
@@ -3725,7 +3876,7 @@
           <p:cNvPr id="2" name="Title 1">
             <a:extLst>
               <a:ext uri="{FF2B5EF4-FFF2-40B4-BE49-F238E27FC236}">
-                <a16:creationId xmlns:a16="http://schemas.microsoft.com/office/drawing/2014/main" id="{71DEE9F4-4244-83A2-452B-55EC6330A992}"/>
+                <a16:creationId xmlns:a16="http://schemas.microsoft.com/office/drawing/2014/main" id="{25392E49-2B07-FCFD-F067-623713DEAA37}"/>
               </a:ext>
             </a:extLst>
           </p:cNvPr>
@@ -3743,7 +3894,7 @@
           <a:p>
             <a:r>
               <a:rPr lang="en-US" dirty="0"/>
-              <a:t>Interacting with Local Data</a:t>
+              <a:t>Progress:</a:t>
             </a:r>
           </a:p>
         </p:txBody>
@@ -3753,7 +3904,7 @@
           <p:cNvPr id="3" name="Content Placeholder 2">
             <a:extLst>
               <a:ext uri="{FF2B5EF4-FFF2-40B4-BE49-F238E27FC236}">
-                <a16:creationId xmlns:a16="http://schemas.microsoft.com/office/drawing/2014/main" id="{008353FC-041D-72A4-A2E3-B8A1A4B1B3D5}"/>
+                <a16:creationId xmlns:a16="http://schemas.microsoft.com/office/drawing/2014/main" id="{32E184B2-D372-DAB2-C4E0-D013DD62E7B1}"/>
               </a:ext>
             </a:extLst>
           </p:cNvPr>
@@ -3764,34 +3915,75 @@
             <p:ph idx="1"/>
           </p:nvPr>
         </p:nvSpPr>
-        <p:spPr/>
-        <p:txBody>
-          <a:bodyPr/>
-          <a:lstStyle/>
-          <a:p>
-            <a:r>
-              <a:rPr lang="en-US" dirty="0"/>
-              <a:t>Our Python programs normally run within their environment. </a:t>
-            </a:r>
-          </a:p>
-          <a:p>
-            <a:r>
-              <a:rPr lang="en-US" dirty="0"/>
-              <a:t>We can “reach out” to interact with the underlying computer. </a:t>
+        <p:spPr>
+          <a:xfrm>
+            <a:off x="1451579" y="1853754"/>
+            <a:ext cx="9603275" cy="4268750"/>
+          </a:xfrm>
+        </p:spPr>
+        <p:txBody>
+          <a:bodyPr>
+            <a:normAutofit/>
+          </a:bodyPr>
+          <a:lstStyle/>
+          <a:p>
+            <a:r>
+              <a:rPr lang="en-US" dirty="0"/>
+              <a:t>Overall, we’ve covered most of the foundational concepts we need. </a:t>
             </a:r>
           </a:p>
           <a:p>
             <a:pPr lvl="1"/>
             <a:r>
               <a:rPr lang="en-US" dirty="0"/>
-              <a:t>Most relevant for data science, to load data from a file. </a:t>
+              <a:t>Notebook interface, functions, variables, basic types, flow control, objects. </a:t>
             </a:r>
           </a:p>
           <a:p>
             <a:pPr lvl="1"/>
             <a:r>
               <a:rPr lang="en-US" dirty="0"/>
-              <a:t>In other scenarios, to interact with the user or their input. </a:t>
+              <a:t>We’ve looked at and used things at a basic level, not in depth yet. </a:t>
+            </a:r>
+          </a:p>
+          <a:p>
+            <a:r>
+              <a:rPr lang="en-US" dirty="0"/>
+              <a:t>We can hopefully start working towards higher level challenges. </a:t>
+            </a:r>
+          </a:p>
+          <a:p>
+            <a:pPr lvl="1"/>
+            <a:r>
+              <a:rPr lang="en-US" dirty="0"/>
+              <a:t>Goals defined broadly, where we have to figure out our own solution leveraging the basics. </a:t>
+            </a:r>
+          </a:p>
+          <a:p>
+            <a:pPr lvl="1"/>
+            <a:r>
+              <a:rPr lang="en-US" dirty="0"/>
+              <a:t>Think, pseudocode, research, code, test, debug, repeat. </a:t>
+            </a:r>
+          </a:p>
+          <a:p>
+            <a:r>
+              <a:rPr lang="en-US" dirty="0"/>
+              <a:t>We’re going reasonably fast, and leaving some details, on purpose. </a:t>
+            </a:r>
+          </a:p>
+          <a:p>
+            <a:pPr lvl="1"/>
+            <a:r>
+              <a:rPr lang="en-US" dirty="0"/>
+              <a:t>I think it is a lot easier to build basic skills and comfort, which is where we are hopefully close to now, then expand that and dig deeper in the context of larger problems. </a:t>
+            </a:r>
+          </a:p>
+          <a:p>
+            <a:pPr lvl="1"/>
+            <a:r>
+              <a:rPr lang="en-US" dirty="0"/>
+              <a:t>We’ll loop back on some other stuff and explore in more detail, in the context of classes. </a:t>
             </a:r>
           </a:p>
         </p:txBody>
@@ -3799,7 +3991,7 @@
     </p:spTree>
     <p:extLst>
       <p:ext uri="{BB962C8B-B14F-4D97-AF65-F5344CB8AC3E}">
-        <p14:creationId xmlns:p14="http://schemas.microsoft.com/office/powerpoint/2010/main" val="2672653705"/>
+        <p14:creationId xmlns:p14="http://schemas.microsoft.com/office/powerpoint/2010/main" val="3462520646"/>
       </p:ext>
     </p:extLst>
   </p:cSld>
@@ -3831,7 +4023,7 @@
           <p:cNvPr id="2" name="Title 1">
             <a:extLst>
               <a:ext uri="{FF2B5EF4-FFF2-40B4-BE49-F238E27FC236}">
-                <a16:creationId xmlns:a16="http://schemas.microsoft.com/office/drawing/2014/main" id="{B3D496A1-84C6-3103-DBDE-1D8771686355}"/>
+                <a16:creationId xmlns:a16="http://schemas.microsoft.com/office/drawing/2014/main" id="{074E6DBF-FB88-208D-1078-813B44C1F972}"/>
               </a:ext>
             </a:extLst>
           </p:cNvPr>
@@ -3839,7 +4031,7 @@
             <a:spLocks noGrp="1"/>
           </p:cNvSpPr>
           <p:nvPr>
-            <p:ph type="title"/>
+            <p:ph type="ctrTitle"/>
           </p:nvPr>
         </p:nvSpPr>
         <p:spPr/>
@@ -3849,17 +4041,22 @@
           <a:p>
             <a:r>
               <a:rPr lang="en-US" dirty="0"/>
-              <a:t>User Input</a:t>
-            </a:r>
-          </a:p>
-        </p:txBody>
-      </p:sp>
-      <p:sp>
-        <p:nvSpPr>
-          <p:cNvPr id="3" name="Content Placeholder 2">
+              <a:t>Files and </a:t>
+            </a:r>
+            <a:r>
+              <a:rPr lang="en-US" dirty="0" err="1"/>
+              <a:t>Dataframes</a:t>
+            </a:r>
+            <a:endParaRPr lang="en-US" dirty="0"/>
+          </a:p>
+        </p:txBody>
+      </p:sp>
+      <p:sp>
+        <p:nvSpPr>
+          <p:cNvPr id="3" name="Subtitle 2">
             <a:extLst>
               <a:ext uri="{FF2B5EF4-FFF2-40B4-BE49-F238E27FC236}">
-                <a16:creationId xmlns:a16="http://schemas.microsoft.com/office/drawing/2014/main" id="{8431B2F2-C583-F326-CECE-102575131B81}"/>
+                <a16:creationId xmlns:a16="http://schemas.microsoft.com/office/drawing/2014/main" id="{C5833ABB-32E6-D242-C0C4-47A72242A104}"/>
               </a:ext>
             </a:extLst>
           </p:cNvPr>
@@ -3867,7 +4064,7 @@
             <a:spLocks noGrp="1"/>
           </p:cNvSpPr>
           <p:nvPr>
-            <p:ph idx="1"/>
+            <p:ph type="subTitle" idx="1"/>
           </p:nvPr>
         </p:nvSpPr>
         <p:spPr/>
@@ -3875,43 +4072,14 @@
           <a:bodyPr/>
           <a:lstStyle/>
           <a:p>
-            <a:r>
-              <a:rPr lang="en-US" dirty="0"/>
-              <a:t>When running code on a command line, we can get user input directly. </a:t>
-            </a:r>
-          </a:p>
-          <a:p>
-            <a:r>
-              <a:rPr lang="en-US" dirty="0"/>
-              <a:t>When using notebooks we don’t have the direct access to user input. </a:t>
-            </a:r>
-          </a:p>
-          <a:p>
-            <a:r>
-              <a:rPr lang="en-US" dirty="0"/>
-              <a:t>We can use the input() function to request user input. </a:t>
-            </a:r>
-          </a:p>
-          <a:p>
-            <a:pPr lvl="1"/>
-            <a:r>
-              <a:rPr lang="en-US" dirty="0"/>
-              <a:t>In VS Code, the text box at the top will open for input. </a:t>
-            </a:r>
-          </a:p>
-          <a:p>
-            <a:pPr lvl="1"/>
-            <a:r>
-              <a:rPr lang="en-US" dirty="0"/>
-              <a:t>After hitting enter, that value will be captured, likely into a variable. </a:t>
-            </a:r>
+            <a:endParaRPr lang="en-US"/>
           </a:p>
         </p:txBody>
       </p:sp>
     </p:spTree>
     <p:extLst>
       <p:ext uri="{BB962C8B-B14F-4D97-AF65-F5344CB8AC3E}">
-        <p14:creationId xmlns:p14="http://schemas.microsoft.com/office/powerpoint/2010/main" val="3558061033"/>
+        <p14:creationId xmlns:p14="http://schemas.microsoft.com/office/powerpoint/2010/main" val="662495774"/>
       </p:ext>
     </p:extLst>
   </p:cSld>
@@ -3943,7 +4111,7 @@
           <p:cNvPr id="2" name="Title 1">
             <a:extLst>
               <a:ext uri="{FF2B5EF4-FFF2-40B4-BE49-F238E27FC236}">
-                <a16:creationId xmlns:a16="http://schemas.microsoft.com/office/drawing/2014/main" id="{A1BC0840-4423-D98B-44BB-8F504E14EC67}"/>
+                <a16:creationId xmlns:a16="http://schemas.microsoft.com/office/drawing/2014/main" id="{71DEE9F4-4244-83A2-452B-55EC6330A992}"/>
               </a:ext>
             </a:extLst>
           </p:cNvPr>
@@ -3961,7 +4129,7 @@
           <a:p>
             <a:r>
               <a:rPr lang="en-US" dirty="0"/>
-              <a:t>File Access</a:t>
+              <a:t>Interacting with Local Data</a:t>
             </a:r>
           </a:p>
         </p:txBody>
@@ -3971,7 +4139,7 @@
           <p:cNvPr id="3" name="Content Placeholder 2">
             <a:extLst>
               <a:ext uri="{FF2B5EF4-FFF2-40B4-BE49-F238E27FC236}">
-                <a16:creationId xmlns:a16="http://schemas.microsoft.com/office/drawing/2014/main" id="{B29B55C0-86FC-3142-7653-17DC12804F40}"/>
+                <a16:creationId xmlns:a16="http://schemas.microsoft.com/office/drawing/2014/main" id="{008353FC-041D-72A4-A2E3-B8A1A4B1B3D5}"/>
               </a:ext>
             </a:extLst>
           </p:cNvPr>
@@ -3982,66 +4150,34 @@
             <p:ph idx="1"/>
           </p:nvPr>
         </p:nvSpPr>
-        <p:spPr>
-          <a:xfrm>
-            <a:off x="1451579" y="2015732"/>
-            <a:ext cx="9603275" cy="4037749"/>
-          </a:xfrm>
-        </p:spPr>
-        <p:txBody>
-          <a:bodyPr/>
-          <a:lstStyle/>
-          <a:p>
-            <a:r>
-              <a:rPr lang="en-US" dirty="0"/>
-              <a:t>We can also use a library to access files from the hard drive. </a:t>
-            </a:r>
-          </a:p>
-          <a:p>
-            <a:r>
-              <a:rPr lang="en-US" dirty="0"/>
-              <a:t>Many libraries can do this. </a:t>
+        <p:spPr/>
+        <p:txBody>
+          <a:bodyPr/>
+          <a:lstStyle/>
+          <a:p>
+            <a:r>
+              <a:rPr lang="en-US" dirty="0"/>
+              <a:t>Our Python programs normally run within their environment. </a:t>
+            </a:r>
+          </a:p>
+          <a:p>
+            <a:r>
+              <a:rPr lang="en-US" dirty="0"/>
+              <a:t>We can “reach out” to interact with the underlying computer. </a:t>
             </a:r>
           </a:p>
           <a:p>
             <a:pPr lvl="1"/>
             <a:r>
               <a:rPr lang="en-US" dirty="0"/>
-              <a:t>The “base” library is “</a:t>
-            </a:r>
-            <a:r>
-              <a:rPr lang="en-US" dirty="0" err="1"/>
-              <a:t>os</a:t>
-            </a:r>
-            <a:r>
-              <a:rPr lang="en-US" dirty="0"/>
-              <a:t>” which provides a bunch of computer-related functions. </a:t>
-            </a:r>
-          </a:p>
-          <a:p>
-            <a:r>
-              <a:rPr lang="en-US" dirty="0"/>
-              <a:t>We often use Pandas for smaller datasets in data science. </a:t>
+              <a:t>Most relevant for data science, to load data from a file. </a:t>
             </a:r>
           </a:p>
           <a:p>
             <a:pPr lvl="1"/>
             <a:r>
               <a:rPr lang="en-US" dirty="0"/>
-              <a:t>Pandas is a library that mainly provides the data access/management for data science work. </a:t>
-            </a:r>
-          </a:p>
-          <a:p>
-            <a:r>
-              <a:rPr lang="en-US" dirty="0"/>
-              <a:t>We can’t really access a file directly.</a:t>
-            </a:r>
-          </a:p>
-          <a:p>
-            <a:pPr lvl="1"/>
-            <a:r>
-              <a:rPr lang="en-US" dirty="0"/>
-              <a:t>The library we use to do the file access will call on a function provided by the OS itself, and request that the OS do something, like provide a file. </a:t>
+              <a:t>In other scenarios, to interact with the user or their input. </a:t>
             </a:r>
           </a:p>
         </p:txBody>
@@ -4049,7 +4185,7 @@
     </p:spTree>
     <p:extLst>
       <p:ext uri="{BB962C8B-B14F-4D97-AF65-F5344CB8AC3E}">
-        <p14:creationId xmlns:p14="http://schemas.microsoft.com/office/powerpoint/2010/main" val="3807653882"/>
+        <p14:creationId xmlns:p14="http://schemas.microsoft.com/office/powerpoint/2010/main" val="2672653705"/>
       </p:ext>
     </p:extLst>
   </p:cSld>
@@ -4081,6 +4217,256 @@
           <p:cNvPr id="2" name="Title 1">
             <a:extLst>
               <a:ext uri="{FF2B5EF4-FFF2-40B4-BE49-F238E27FC236}">
+                <a16:creationId xmlns:a16="http://schemas.microsoft.com/office/drawing/2014/main" id="{B3D496A1-84C6-3103-DBDE-1D8771686355}"/>
+              </a:ext>
+            </a:extLst>
+          </p:cNvPr>
+          <p:cNvSpPr>
+            <a:spLocks noGrp="1"/>
+          </p:cNvSpPr>
+          <p:nvPr>
+            <p:ph type="title"/>
+          </p:nvPr>
+        </p:nvSpPr>
+        <p:spPr/>
+        <p:txBody>
+          <a:bodyPr/>
+          <a:lstStyle/>
+          <a:p>
+            <a:r>
+              <a:rPr lang="en-US" dirty="0"/>
+              <a:t>User Input</a:t>
+            </a:r>
+          </a:p>
+        </p:txBody>
+      </p:sp>
+      <p:sp>
+        <p:nvSpPr>
+          <p:cNvPr id="3" name="Content Placeholder 2">
+            <a:extLst>
+              <a:ext uri="{FF2B5EF4-FFF2-40B4-BE49-F238E27FC236}">
+                <a16:creationId xmlns:a16="http://schemas.microsoft.com/office/drawing/2014/main" id="{8431B2F2-C583-F326-CECE-102575131B81}"/>
+              </a:ext>
+            </a:extLst>
+          </p:cNvPr>
+          <p:cNvSpPr>
+            <a:spLocks noGrp="1"/>
+          </p:cNvSpPr>
+          <p:nvPr>
+            <p:ph idx="1"/>
+          </p:nvPr>
+        </p:nvSpPr>
+        <p:spPr/>
+        <p:txBody>
+          <a:bodyPr/>
+          <a:lstStyle/>
+          <a:p>
+            <a:r>
+              <a:rPr lang="en-US" dirty="0"/>
+              <a:t>When running code on a command line, we can get user input directly. </a:t>
+            </a:r>
+          </a:p>
+          <a:p>
+            <a:r>
+              <a:rPr lang="en-US" dirty="0"/>
+              <a:t>When using notebooks we don’t have the direct access to user input. </a:t>
+            </a:r>
+          </a:p>
+          <a:p>
+            <a:r>
+              <a:rPr lang="en-US" dirty="0"/>
+              <a:t>We can use the input() function to request user input. </a:t>
+            </a:r>
+          </a:p>
+          <a:p>
+            <a:pPr lvl="1"/>
+            <a:r>
+              <a:rPr lang="en-US" dirty="0"/>
+              <a:t>In VS Code, the text box at the top will open for input. </a:t>
+            </a:r>
+          </a:p>
+          <a:p>
+            <a:pPr lvl="1"/>
+            <a:r>
+              <a:rPr lang="en-US" dirty="0"/>
+              <a:t>After hitting enter, that value will be captured, likely into a variable. </a:t>
+            </a:r>
+          </a:p>
+        </p:txBody>
+      </p:sp>
+    </p:spTree>
+    <p:extLst>
+      <p:ext uri="{BB962C8B-B14F-4D97-AF65-F5344CB8AC3E}">
+        <p14:creationId xmlns:p14="http://schemas.microsoft.com/office/powerpoint/2010/main" val="3558061033"/>
+      </p:ext>
+    </p:extLst>
+  </p:cSld>
+  <p:clrMapOvr>
+    <a:masterClrMapping/>
+  </p:clrMapOvr>
+</p:sld>
+</file>
+
+<file path=ppt/slides/slide6.xml><?xml version="1.0" encoding="utf-8"?>
+<p:sld xmlns:a="http://schemas.openxmlformats.org/drawingml/2006/main" xmlns:r="http://schemas.openxmlformats.org/officeDocument/2006/relationships" xmlns:p="http://schemas.openxmlformats.org/presentationml/2006/main">
+  <p:cSld>
+    <p:spTree>
+      <p:nvGrpSpPr>
+        <p:cNvPr id="1" name=""/>
+        <p:cNvGrpSpPr/>
+        <p:nvPr/>
+      </p:nvGrpSpPr>
+      <p:grpSpPr>
+        <a:xfrm>
+          <a:off x="0" y="0"/>
+          <a:ext cx="0" cy="0"/>
+          <a:chOff x="0" y="0"/>
+          <a:chExt cx="0" cy="0"/>
+        </a:xfrm>
+      </p:grpSpPr>
+      <p:sp>
+        <p:nvSpPr>
+          <p:cNvPr id="2" name="Title 1">
+            <a:extLst>
+              <a:ext uri="{FF2B5EF4-FFF2-40B4-BE49-F238E27FC236}">
+                <a16:creationId xmlns:a16="http://schemas.microsoft.com/office/drawing/2014/main" id="{A1BC0840-4423-D98B-44BB-8F504E14EC67}"/>
+              </a:ext>
+            </a:extLst>
+          </p:cNvPr>
+          <p:cNvSpPr>
+            <a:spLocks noGrp="1"/>
+          </p:cNvSpPr>
+          <p:nvPr>
+            <p:ph type="title"/>
+          </p:nvPr>
+        </p:nvSpPr>
+        <p:spPr/>
+        <p:txBody>
+          <a:bodyPr/>
+          <a:lstStyle/>
+          <a:p>
+            <a:r>
+              <a:rPr lang="en-US" dirty="0"/>
+              <a:t>File Access</a:t>
+            </a:r>
+          </a:p>
+        </p:txBody>
+      </p:sp>
+      <p:sp>
+        <p:nvSpPr>
+          <p:cNvPr id="3" name="Content Placeholder 2">
+            <a:extLst>
+              <a:ext uri="{FF2B5EF4-FFF2-40B4-BE49-F238E27FC236}">
+                <a16:creationId xmlns:a16="http://schemas.microsoft.com/office/drawing/2014/main" id="{B29B55C0-86FC-3142-7653-17DC12804F40}"/>
+              </a:ext>
+            </a:extLst>
+          </p:cNvPr>
+          <p:cNvSpPr>
+            <a:spLocks noGrp="1"/>
+          </p:cNvSpPr>
+          <p:nvPr>
+            <p:ph idx="1"/>
+          </p:nvPr>
+        </p:nvSpPr>
+        <p:spPr>
+          <a:xfrm>
+            <a:off x="1451579" y="2015732"/>
+            <a:ext cx="9603275" cy="4037749"/>
+          </a:xfrm>
+        </p:spPr>
+        <p:txBody>
+          <a:bodyPr/>
+          <a:lstStyle/>
+          <a:p>
+            <a:r>
+              <a:rPr lang="en-US" dirty="0"/>
+              <a:t>We can also use a library to access files from the hard drive. </a:t>
+            </a:r>
+          </a:p>
+          <a:p>
+            <a:r>
+              <a:rPr lang="en-US" dirty="0"/>
+              <a:t>Many libraries can do this. </a:t>
+            </a:r>
+          </a:p>
+          <a:p>
+            <a:pPr lvl="1"/>
+            <a:r>
+              <a:rPr lang="en-US" dirty="0"/>
+              <a:t>The “base” library is “</a:t>
+            </a:r>
+            <a:r>
+              <a:rPr lang="en-US" dirty="0" err="1"/>
+              <a:t>os</a:t>
+            </a:r>
+            <a:r>
+              <a:rPr lang="en-US" dirty="0"/>
+              <a:t>” which provides a bunch of computer-related functions. </a:t>
+            </a:r>
+          </a:p>
+          <a:p>
+            <a:r>
+              <a:rPr lang="en-US" dirty="0"/>
+              <a:t>We often use Pandas for smaller datasets in data science. </a:t>
+            </a:r>
+          </a:p>
+          <a:p>
+            <a:pPr lvl="1"/>
+            <a:r>
+              <a:rPr lang="en-US" dirty="0"/>
+              <a:t>Pandas is a library that mainly provides the data access/management for data science work. </a:t>
+            </a:r>
+          </a:p>
+          <a:p>
+            <a:r>
+              <a:rPr lang="en-US" dirty="0"/>
+              <a:t>We can’t really access a file directly.</a:t>
+            </a:r>
+          </a:p>
+          <a:p>
+            <a:pPr lvl="1"/>
+            <a:r>
+              <a:rPr lang="en-US" dirty="0"/>
+              <a:t>The library we use to do the file access will call on a function provided by the OS itself, and request that the OS do something, like provide a file. </a:t>
+            </a:r>
+          </a:p>
+        </p:txBody>
+      </p:sp>
+    </p:spTree>
+    <p:extLst>
+      <p:ext uri="{BB962C8B-B14F-4D97-AF65-F5344CB8AC3E}">
+        <p14:creationId xmlns:p14="http://schemas.microsoft.com/office/powerpoint/2010/main" val="3807653882"/>
+      </p:ext>
+    </p:extLst>
+  </p:cSld>
+  <p:clrMapOvr>
+    <a:masterClrMapping/>
+  </p:clrMapOvr>
+</p:sld>
+</file>
+
+<file path=ppt/slides/slide7.xml><?xml version="1.0" encoding="utf-8"?>
+<p:sld xmlns:a="http://schemas.openxmlformats.org/drawingml/2006/main" xmlns:r="http://schemas.openxmlformats.org/officeDocument/2006/relationships" xmlns:p="http://schemas.openxmlformats.org/presentationml/2006/main">
+  <p:cSld>
+    <p:spTree>
+      <p:nvGrpSpPr>
+        <p:cNvPr id="1" name=""/>
+        <p:cNvGrpSpPr/>
+        <p:nvPr/>
+      </p:nvGrpSpPr>
+      <p:grpSpPr>
+        <a:xfrm>
+          <a:off x="0" y="0"/>
+          <a:ext cx="0" cy="0"/>
+          <a:chOff x="0" y="0"/>
+          <a:chExt cx="0" cy="0"/>
+        </a:xfrm>
+      </p:grpSpPr>
+      <p:sp>
+        <p:nvSpPr>
+          <p:cNvPr id="2" name="Title 1">
+            <a:extLst>
+              <a:ext uri="{FF2B5EF4-FFF2-40B4-BE49-F238E27FC236}">
                 <a16:creationId xmlns:a16="http://schemas.microsoft.com/office/drawing/2014/main" id="{C93689FA-38A3-0BB6-45EF-B8BE778EFEEF}"/>
               </a:ext>
             </a:extLst>
@@ -4188,7 +4574,7 @@
 </p:sld>
 </file>
 
-<file path=ppt/slides/slide6.xml><?xml version="1.0" encoding="utf-8"?>
+<file path=ppt/slides/slide8.xml><?xml version="1.0" encoding="utf-8"?>
 <p:sld xmlns:a="http://schemas.openxmlformats.org/drawingml/2006/main" xmlns:r="http://schemas.openxmlformats.org/officeDocument/2006/relationships" xmlns:p="http://schemas.openxmlformats.org/presentationml/2006/main">
   <p:cSld>
     <p:bg>
@@ -4441,7 +4827,7 @@
 </p:sld>
 </file>
 
-<file path=ppt/slides/slide7.xml><?xml version="1.0" encoding="utf-8"?>
+<file path=ppt/slides/slide9.xml><?xml version="1.0" encoding="utf-8"?>
 <p:sld xmlns:a="http://schemas.openxmlformats.org/drawingml/2006/main" xmlns:r="http://schemas.openxmlformats.org/officeDocument/2006/relationships" xmlns:p="http://schemas.openxmlformats.org/presentationml/2006/main">
   <p:cSld>
     <p:spTree>
@@ -4578,133 +4964,6 @@
     <p:extLst>
       <p:ext uri="{BB962C8B-B14F-4D97-AF65-F5344CB8AC3E}">
         <p14:creationId xmlns:p14="http://schemas.microsoft.com/office/powerpoint/2010/main" val="37689985"/>
-      </p:ext>
-    </p:extLst>
-  </p:cSld>
-  <p:clrMapOvr>
-    <a:masterClrMapping/>
-  </p:clrMapOvr>
-</p:sld>
-</file>
-
-<file path=ppt/slides/slide8.xml><?xml version="1.0" encoding="utf-8"?>
-<p:sld xmlns:a="http://schemas.openxmlformats.org/drawingml/2006/main" xmlns:r="http://schemas.openxmlformats.org/officeDocument/2006/relationships" xmlns:p="http://schemas.openxmlformats.org/presentationml/2006/main">
-  <p:cSld>
-    <p:spTree>
-      <p:nvGrpSpPr>
-        <p:cNvPr id="1" name=""/>
-        <p:cNvGrpSpPr/>
-        <p:nvPr/>
-      </p:nvGrpSpPr>
-      <p:grpSpPr>
-        <a:xfrm>
-          <a:off x="0" y="0"/>
-          <a:ext cx="0" cy="0"/>
-          <a:chOff x="0" y="0"/>
-          <a:chExt cx="0" cy="0"/>
-        </a:xfrm>
-      </p:grpSpPr>
-      <p:sp>
-        <p:nvSpPr>
-          <p:cNvPr id="2" name="Title 1">
-            <a:extLst>
-              <a:ext uri="{FF2B5EF4-FFF2-40B4-BE49-F238E27FC236}">
-                <a16:creationId xmlns:a16="http://schemas.microsoft.com/office/drawing/2014/main" id="{9F7353FF-ABB8-329B-4F91-425557C29FF4}"/>
-              </a:ext>
-            </a:extLst>
-          </p:cNvPr>
-          <p:cNvSpPr>
-            <a:spLocks noGrp="1"/>
-          </p:cNvSpPr>
-          <p:nvPr>
-            <p:ph type="title"/>
-          </p:nvPr>
-        </p:nvSpPr>
-        <p:spPr/>
-        <p:txBody>
-          <a:bodyPr/>
-          <a:lstStyle/>
-          <a:p>
-            <a:r>
-              <a:rPr lang="en-US" dirty="0"/>
-              <a:t>Manipulating </a:t>
-            </a:r>
-            <a:r>
-              <a:rPr lang="en-US" dirty="0" err="1"/>
-              <a:t>Dataframes</a:t>
-            </a:r>
-            <a:endParaRPr lang="en-US" dirty="0"/>
-          </a:p>
-        </p:txBody>
-      </p:sp>
-      <p:sp>
-        <p:nvSpPr>
-          <p:cNvPr id="3" name="Content Placeholder 2">
-            <a:extLst>
-              <a:ext uri="{FF2B5EF4-FFF2-40B4-BE49-F238E27FC236}">
-                <a16:creationId xmlns:a16="http://schemas.microsoft.com/office/drawing/2014/main" id="{B8EECA3A-8064-D6E2-2964-F943873B6385}"/>
-              </a:ext>
-            </a:extLst>
-          </p:cNvPr>
-          <p:cNvSpPr>
-            <a:spLocks noGrp="1"/>
-          </p:cNvSpPr>
-          <p:nvPr>
-            <p:ph idx="1"/>
-          </p:nvPr>
-        </p:nvSpPr>
-        <p:spPr>
-          <a:xfrm>
-            <a:off x="1103243" y="2015732"/>
-            <a:ext cx="9951611" cy="3450613"/>
-          </a:xfrm>
-        </p:spPr>
-        <p:txBody>
-          <a:bodyPr/>
-          <a:lstStyle/>
-          <a:p>
-            <a:r>
-              <a:rPr lang="en-US" dirty="0"/>
-              <a:t>We’ll look at this in code, it is much easier. </a:t>
-            </a:r>
-          </a:p>
-          <a:p>
-            <a:r>
-              <a:rPr lang="en-US" dirty="0"/>
-              <a:t>We can select which columns or rows we want by specifying some selection criteria. </a:t>
-            </a:r>
-          </a:p>
-          <a:p>
-            <a:r>
-              <a:rPr lang="en-US" dirty="0"/>
-              <a:t>We can get some information about the </a:t>
-            </a:r>
-            <a:r>
-              <a:rPr lang="en-US" dirty="0" err="1"/>
-              <a:t>dataframe</a:t>
-            </a:r>
-            <a:r>
-              <a:rPr lang="en-US" dirty="0"/>
-              <a:t> using its methods – describe, info, shape.</a:t>
-            </a:r>
-          </a:p>
-          <a:p>
-            <a:r>
-              <a:rPr lang="en-US" dirty="0"/>
-              <a:t>We can do calculations (grouping and aggregation) using functions to group the data and calculate results, like a nerdier </a:t>
-            </a:r>
-            <a:r>
-              <a:rPr lang="en-US"/>
-              <a:t>Excel filter. </a:t>
-            </a:r>
-            <a:endParaRPr lang="en-US" dirty="0"/>
-          </a:p>
-        </p:txBody>
-      </p:sp>
-    </p:spTree>
-    <p:extLst>
-      <p:ext uri="{BB962C8B-B14F-4D97-AF65-F5344CB8AC3E}">
-        <p14:creationId xmlns:p14="http://schemas.microsoft.com/office/powerpoint/2010/main" val="3077685445"/>
       </p:ext>
     </p:extLst>
   </p:cSld>

--- a/course_material/slides/005_file_access.pptx
+++ b/course_material/slides/005_file_access.pptx
@@ -3714,7 +3714,25 @@
             <a:pPr lvl="1"/>
             <a:r>
               <a:rPr lang="en-US" dirty="0"/>
-              <a:t>Work/question time. </a:t>
+              <a:t>Work/</a:t>
+            </a:r>
+            <a:r>
+              <a:rPr lang="en-US"/>
+              <a:t>question time (lab 1). </a:t>
+            </a:r>
+            <a:endParaRPr lang="en-US" dirty="0"/>
+          </a:p>
+          <a:p>
+            <a:r>
+              <a:rPr lang="en-US" dirty="0"/>
+              <a:t>Notes:</a:t>
+            </a:r>
+          </a:p>
+          <a:p>
+            <a:pPr lvl="1"/>
+            <a:r>
+              <a:rPr lang="en-US" dirty="0"/>
+              <a:t>There’s a few quizzes on Moodle, those are formative, or practice. </a:t>
             </a:r>
           </a:p>
         </p:txBody>
@@ -4150,9 +4168,16 @@
             <p:ph idx="1"/>
           </p:nvPr>
         </p:nvSpPr>
-        <p:spPr/>
-        <p:txBody>
-          <a:bodyPr/>
+        <p:spPr>
+          <a:xfrm>
+            <a:off x="1137147" y="1853754"/>
+            <a:ext cx="10268044" cy="4306041"/>
+          </a:xfrm>
+        </p:spPr>
+        <p:txBody>
+          <a:bodyPr>
+            <a:normAutofit lnSpcReduction="10000"/>
+          </a:bodyPr>
           <a:lstStyle/>
           <a:p>
             <a:r>
@@ -4161,23 +4186,57 @@
             </a:r>
           </a:p>
           <a:p>
+            <a:pPr lvl="1"/>
             <a:r>
               <a:rPr lang="en-US" dirty="0"/>
               <a:t>We can “reach out” to interact with the underlying computer. </a:t>
             </a:r>
           </a:p>
           <a:p>
+            <a:r>
+              <a:rPr lang="en-US" dirty="0"/>
+              <a:t>Each operating system provides some API (application programming interface) that offers a way for a “normal” program to interact with an underlying system. </a:t>
+            </a:r>
+          </a:p>
+          <a:p>
             <a:pPr lvl="1"/>
             <a:r>
               <a:rPr lang="en-US" dirty="0"/>
-              <a:t>Most relevant for data science, to load data from a file. </a:t>
+              <a:t>For programs the load/save stuff, they connect to the API for file access. </a:t>
             </a:r>
           </a:p>
           <a:p>
             <a:pPr lvl="1"/>
             <a:r>
               <a:rPr lang="en-US" dirty="0"/>
-              <a:t>In other scenarios, to interact with the user or their input. </a:t>
+              <a:t>For programs that have a GUI, they connect to the API for keyboard/mouse inputs. </a:t>
+            </a:r>
+          </a:p>
+          <a:p>
+            <a:pPr lvl="1"/>
+            <a:r>
+              <a:rPr lang="en-US" dirty="0"/>
+              <a:t>For programs that use networks, they connect to the API for network access. </a:t>
+            </a:r>
+          </a:p>
+          <a:p>
+            <a:r>
+              <a:rPr lang="en-US" dirty="0"/>
+              <a:t>Each OS provides the implementation, so the details are abstracted away. </a:t>
+            </a:r>
+          </a:p>
+          <a:p>
+            <a:pPr lvl="1"/>
+            <a:r>
+              <a:rPr lang="en-US" dirty="0"/>
+              <a:t>Note: Python is a very “high-level” language, meaning it is detached from the actions a computer actually takes. This allows for it to be more human friendly. </a:t>
+            </a:r>
+          </a:p>
+          <a:p>
+            <a:pPr lvl="1"/>
+            <a:r>
+              <a:rPr lang="en-US" dirty="0"/>
+              <a:t>Other languages (like C) force you to do more work on the details – like manually managing RAM</a:t>
             </a:r>
           </a:p>
         </p:txBody>
@@ -4370,8 +4429,8 @@
         </p:nvSpPr>
         <p:spPr>
           <a:xfrm>
-            <a:off x="1451579" y="2015732"/>
-            <a:ext cx="9603275" cy="4037749"/>
+            <a:off x="1451579" y="1853754"/>
+            <a:ext cx="9603275" cy="4199727"/>
           </a:xfrm>
         </p:spPr>
         <p:txBody>
@@ -4428,6 +4487,12 @@
             <a:r>
               <a:rPr lang="en-US" dirty="0"/>
               <a:t>The library we use to do the file access will call on a function provided by the OS itself, and request that the OS do something, like provide a file. </a:t>
+            </a:r>
+          </a:p>
+          <a:p>
+            <a:r>
+              <a:rPr lang="en-US" dirty="0"/>
+              <a:t>Allows us to not care about the mechanics of loading a file. </a:t>
             </a:r>
           </a:p>
         </p:txBody>
@@ -4448,6 +4513,30 @@
 <file path=ppt/slides/slide7.xml><?xml version="1.0" encoding="utf-8"?>
 <p:sld xmlns:a="http://schemas.openxmlformats.org/drawingml/2006/main" xmlns:r="http://schemas.openxmlformats.org/officeDocument/2006/relationships" xmlns:p="http://schemas.openxmlformats.org/presentationml/2006/main">
   <p:cSld>
+    <p:bg>
+      <p:bgPr>
+        <a:gradFill rotWithShape="1">
+          <a:gsLst>
+            <a:gs pos="0">
+              <a:schemeClr val="bg2">
+                <a:tint val="94000"/>
+                <a:satMod val="80000"/>
+                <a:lumMod val="106000"/>
+              </a:schemeClr>
+            </a:gs>
+            <a:gs pos="100000">
+              <a:schemeClr val="bg2">
+                <a:shade val="80000"/>
+              </a:schemeClr>
+            </a:gs>
+          </a:gsLst>
+          <a:path path="circle">
+            <a:fillToRect l="43000" r="43000" b="100000"/>
+          </a:path>
+        </a:gradFill>
+        <a:effectLst/>
+      </p:bgPr>
+    </p:bg>
     <p:spTree>
       <p:nvGrpSpPr>
         <p:cNvPr id="1" name=""/>
@@ -4478,9 +4567,16 @@
             <p:ph type="title"/>
           </p:nvPr>
         </p:nvSpPr>
-        <p:spPr/>
-        <p:txBody>
-          <a:bodyPr/>
+        <p:spPr>
+          <a:xfrm>
+            <a:off x="1451579" y="804519"/>
+            <a:ext cx="9603275" cy="1049235"/>
+          </a:xfrm>
+        </p:spPr>
+        <p:txBody>
+          <a:bodyPr>
+            <a:normAutofit/>
+          </a:bodyPr>
           <a:lstStyle/>
           <a:p>
             <a:r>
@@ -4506,11 +4602,34 @@
             <p:ph idx="1"/>
           </p:nvPr>
         </p:nvSpPr>
-        <p:spPr/>
-        <p:txBody>
-          <a:bodyPr/>
-          <a:lstStyle/>
-          <a:p>
+        <p:spPr>
+          <a:xfrm>
+            <a:off x="444381" y="2015734"/>
+            <a:ext cx="5481498" cy="3931410"/>
+          </a:xfrm>
+        </p:spPr>
+        <p:txBody>
+          <a:bodyPr>
+            <a:normAutofit/>
+          </a:bodyPr>
+          <a:lstStyle/>
+          <a:p>
+            <a:pPr>
+              <a:lnSpc>
+                <a:spcPct val="110000"/>
+              </a:lnSpc>
+            </a:pPr>
+            <a:r>
+              <a:rPr lang="en-US" dirty="0"/>
+              <a:t>Pandas is one of the most common DS libraries. </a:t>
+            </a:r>
+          </a:p>
+          <a:p>
+            <a:pPr>
+              <a:lnSpc>
+                <a:spcPct val="110000"/>
+              </a:lnSpc>
+            </a:pPr>
             <a:r>
               <a:rPr lang="en-US" dirty="0"/>
               <a:t>Pandas provides us with a convenient data structure for tabular data – the </a:t>
@@ -4525,10 +4644,33 @@
             </a:r>
           </a:p>
           <a:p>
-            <a:pPr lvl="1"/>
-            <a:r>
-              <a:rPr lang="en-US" dirty="0"/>
+            <a:pPr lvl="1">
+              <a:lnSpc>
+                <a:spcPct val="110000"/>
+              </a:lnSpc>
+            </a:pPr>
+            <a:r>
+              <a:rPr lang="en-US" sz="2000" dirty="0"/>
               <a:t>A </a:t>
+            </a:r>
+            <a:r>
+              <a:rPr lang="en-US" sz="2000" dirty="0" err="1"/>
+              <a:t>dataframe</a:t>
+            </a:r>
+            <a:r>
+              <a:rPr lang="en-US" sz="2000" dirty="0"/>
+              <a:t> is formatted just like a spreadsheet. </a:t>
+            </a:r>
+          </a:p>
+          <a:p>
+            <a:pPr>
+              <a:lnSpc>
+                <a:spcPct val="110000"/>
+              </a:lnSpc>
+            </a:pPr>
+            <a:r>
+              <a:rPr lang="en-US" dirty="0"/>
+              <a:t>Pandas also provides functions that will load data from a file into a </a:t>
             </a:r>
             <a:r>
               <a:rPr lang="en-US" dirty="0" err="1"/>
@@ -4536,24 +4678,15 @@
             </a:r>
             <a:r>
               <a:rPr lang="en-US" dirty="0"/>
-              <a:t> is formatted just like a spreadsheet. </a:t>
-            </a:r>
-          </a:p>
-          <a:p>
-            <a:r>
-              <a:rPr lang="en-US" dirty="0"/>
-              <a:t>Pandas also provides functions that will load data from a file into a </a:t>
-            </a:r>
-            <a:r>
-              <a:rPr lang="en-US" dirty="0" err="1"/>
-              <a:t>dataframe</a:t>
-            </a:r>
-            <a:r>
-              <a:rPr lang="en-US" dirty="0"/>
               <a:t>. </a:t>
             </a:r>
           </a:p>
           <a:p>
+            <a:pPr>
+              <a:lnSpc>
+                <a:spcPct val="110000"/>
+              </a:lnSpc>
+            </a:pPr>
             <a:r>
               <a:rPr lang="en-US" dirty="0"/>
               <a:t>We will use pandas throughout machine learning, unless the data we are using is large. </a:t>
@@ -4561,6 +4694,52 @@
           </a:p>
         </p:txBody>
       </p:sp>
+      <p:pic>
+        <p:nvPicPr>
+          <p:cNvPr id="2050" name="Picture 2" descr="Giant Panda | Species | WWF">
+            <a:extLst>
+              <a:ext uri="{FF2B5EF4-FFF2-40B4-BE49-F238E27FC236}">
+                <a16:creationId xmlns:a16="http://schemas.microsoft.com/office/drawing/2014/main" id="{C1A54CF5-35FD-B835-B3B1-522709455E7D}"/>
+              </a:ext>
+            </a:extLst>
+          </p:cNvPr>
+          <p:cNvPicPr>
+            <a:picLocks noChangeAspect="1" noChangeArrowheads="1"/>
+          </p:cNvPicPr>
+          <p:nvPr/>
+        </p:nvPicPr>
+        <p:blipFill>
+          <a:blip r:embed="rId2">
+            <a:extLst>
+              <a:ext uri="{28A0092B-C50C-407E-A947-70E740481C1C}">
+                <a14:useLocalDpi xmlns:a14="http://schemas.microsoft.com/office/drawing/2010/main" val="0"/>
+              </a:ext>
+            </a:extLst>
+          </a:blip>
+          <a:stretch>
+            <a:fillRect/>
+          </a:stretch>
+        </p:blipFill>
+        <p:spPr bwMode="auto">
+          <a:xfrm>
+            <a:off x="5990903" y="1940867"/>
+            <a:ext cx="5875802" cy="3525480"/>
+          </a:xfrm>
+          <a:prstGeom prst="rect">
+            <a:avLst/>
+          </a:prstGeom>
+          <a:noFill/>
+          <a:extLst>
+            <a:ext uri="{909E8E84-426E-40DD-AFC4-6F175D3DCCD1}">
+              <a14:hiddenFill xmlns:a14="http://schemas.microsoft.com/office/drawing/2010/main">
+                <a:solidFill>
+                  <a:srgbClr val="FFFFFF"/>
+                </a:solidFill>
+              </a14:hiddenFill>
+            </a:ext>
+          </a:extLst>
+        </p:spPr>
+      </p:pic>
     </p:spTree>
     <p:extLst>
       <p:ext uri="{BB962C8B-B14F-4D97-AF65-F5344CB8AC3E}">
